--- a/1031-1110/img/프레젠테이션1.pptx
+++ b/1031-1110/img/프레젠테이션1.pptx
@@ -109,6 +109,11 @@
       </a:defRPr>
     </a:lvl9pPr>
   </p:defaultTextStyle>
+  <p:extLst>
+    <p:ext uri="{EFAFB233-063F-42B5-8137-9DF3F51BA10A}">
+      <p15:sldGuideLst xmlns:p15="http://schemas.microsoft.com/office/powerpoint/2012/main"/>
+    </p:ext>
+  </p:extLst>
 </p:presentation>
 </file>
 
@@ -243,7 +248,7 @@
           <a:p>
             <a:fld id="{29A5EA3E-6223-45D2-B7C7-C3584F15BDC4}" type="datetimeFigureOut">
               <a:rPr lang="ko-KR" altLang="en-US" smtClean="0"/>
-              <a:t>2022-10-31</a:t>
+              <a:t>2022-11-01</a:t>
             </a:fld>
             <a:endParaRPr lang="ko-KR" altLang="en-US"/>
           </a:p>
@@ -413,7 +418,7 @@
           <a:p>
             <a:fld id="{29A5EA3E-6223-45D2-B7C7-C3584F15BDC4}" type="datetimeFigureOut">
               <a:rPr lang="ko-KR" altLang="en-US" smtClean="0"/>
-              <a:t>2022-10-31</a:t>
+              <a:t>2022-11-01</a:t>
             </a:fld>
             <a:endParaRPr lang="ko-KR" altLang="en-US"/>
           </a:p>
@@ -593,7 +598,7 @@
           <a:p>
             <a:fld id="{29A5EA3E-6223-45D2-B7C7-C3584F15BDC4}" type="datetimeFigureOut">
               <a:rPr lang="ko-KR" altLang="en-US" smtClean="0"/>
-              <a:t>2022-10-31</a:t>
+              <a:t>2022-11-01</a:t>
             </a:fld>
             <a:endParaRPr lang="ko-KR" altLang="en-US"/>
           </a:p>
@@ -763,7 +768,7 @@
           <a:p>
             <a:fld id="{29A5EA3E-6223-45D2-B7C7-C3584F15BDC4}" type="datetimeFigureOut">
               <a:rPr lang="ko-KR" altLang="en-US" smtClean="0"/>
-              <a:t>2022-10-31</a:t>
+              <a:t>2022-11-01</a:t>
             </a:fld>
             <a:endParaRPr lang="ko-KR" altLang="en-US"/>
           </a:p>
@@ -1009,7 +1014,7 @@
           <a:p>
             <a:fld id="{29A5EA3E-6223-45D2-B7C7-C3584F15BDC4}" type="datetimeFigureOut">
               <a:rPr lang="ko-KR" altLang="en-US" smtClean="0"/>
-              <a:t>2022-10-31</a:t>
+              <a:t>2022-11-01</a:t>
             </a:fld>
             <a:endParaRPr lang="ko-KR" altLang="en-US"/>
           </a:p>
@@ -1241,7 +1246,7 @@
           <a:p>
             <a:fld id="{29A5EA3E-6223-45D2-B7C7-C3584F15BDC4}" type="datetimeFigureOut">
               <a:rPr lang="ko-KR" altLang="en-US" smtClean="0"/>
-              <a:t>2022-10-31</a:t>
+              <a:t>2022-11-01</a:t>
             </a:fld>
             <a:endParaRPr lang="ko-KR" altLang="en-US"/>
           </a:p>
@@ -1608,7 +1613,7 @@
           <a:p>
             <a:fld id="{29A5EA3E-6223-45D2-B7C7-C3584F15BDC4}" type="datetimeFigureOut">
               <a:rPr lang="ko-KR" altLang="en-US" smtClean="0"/>
-              <a:t>2022-10-31</a:t>
+              <a:t>2022-11-01</a:t>
             </a:fld>
             <a:endParaRPr lang="ko-KR" altLang="en-US"/>
           </a:p>
@@ -1726,7 +1731,7 @@
           <a:p>
             <a:fld id="{29A5EA3E-6223-45D2-B7C7-C3584F15BDC4}" type="datetimeFigureOut">
               <a:rPr lang="ko-KR" altLang="en-US" smtClean="0"/>
-              <a:t>2022-10-31</a:t>
+              <a:t>2022-11-01</a:t>
             </a:fld>
             <a:endParaRPr lang="ko-KR" altLang="en-US"/>
           </a:p>
@@ -1821,7 +1826,7 @@
           <a:p>
             <a:fld id="{29A5EA3E-6223-45D2-B7C7-C3584F15BDC4}" type="datetimeFigureOut">
               <a:rPr lang="ko-KR" altLang="en-US" smtClean="0"/>
-              <a:t>2022-10-31</a:t>
+              <a:t>2022-11-01</a:t>
             </a:fld>
             <a:endParaRPr lang="ko-KR" altLang="en-US"/>
           </a:p>
@@ -2098,7 +2103,7 @@
           <a:p>
             <a:fld id="{29A5EA3E-6223-45D2-B7C7-C3584F15BDC4}" type="datetimeFigureOut">
               <a:rPr lang="ko-KR" altLang="en-US" smtClean="0"/>
-              <a:t>2022-10-31</a:t>
+              <a:t>2022-11-01</a:t>
             </a:fld>
             <a:endParaRPr lang="ko-KR" altLang="en-US"/>
           </a:p>
@@ -2351,7 +2356,7 @@
           <a:p>
             <a:fld id="{29A5EA3E-6223-45D2-B7C7-C3584F15BDC4}" type="datetimeFigureOut">
               <a:rPr lang="ko-KR" altLang="en-US" smtClean="0"/>
-              <a:t>2022-10-31</a:t>
+              <a:t>2022-11-01</a:t>
             </a:fld>
             <a:endParaRPr lang="ko-KR" altLang="en-US"/>
           </a:p>
@@ -2564,7 +2569,7 @@
           <a:p>
             <a:fld id="{29A5EA3E-6223-45D2-B7C7-C3584F15BDC4}" type="datetimeFigureOut">
               <a:rPr lang="ko-KR" altLang="en-US" smtClean="0"/>
-              <a:t>2022-10-31</a:t>
+              <a:t>2022-11-01</a:t>
             </a:fld>
             <a:endParaRPr lang="ko-KR" altLang="en-US"/>
           </a:p>
@@ -3791,11 +3796,7 @@
           <a:p>
             <a:r>
               <a:rPr lang="ko-KR" altLang="en-US" dirty="0" smtClean="0"/>
-              <a:t>○ </a:t>
-            </a:r>
-            <a:r>
-              <a:rPr lang="ko-KR" altLang="en-US" dirty="0" smtClean="0"/>
-              <a:t>○ ○ ○</a:t>
+              <a:t>○ ○ ○ ○</a:t>
             </a:r>
             <a:endParaRPr lang="ko-KR" altLang="en-US" dirty="0"/>
           </a:p>
@@ -5818,11 +5819,15 @@
             <a:pPr algn="ctr"/>
             <a:r>
               <a:rPr lang="ko-KR" altLang="en-US" dirty="0" err="1" smtClean="0"/>
-              <a:t>타슈투어</a:t>
-            </a:r>
-            <a:endParaRPr lang="en-US" altLang="ko-KR" dirty="0" smtClean="0"/>
-          </a:p>
-          <a:p>
+              <a:t>추천여행</a:t>
+            </a:r>
+            <a:r>
+              <a:rPr lang="en-US" altLang="ko-KR" dirty="0" smtClean="0"/>
+              <a:t>2</a:t>
+            </a:r>
+          </a:p>
+          <a:p>
+            <a:pPr algn="ctr"/>
             <a:endParaRPr lang="en-US" altLang="ko-KR" dirty="0"/>
           </a:p>
         </p:txBody>
@@ -5869,11 +5874,12 @@
             <a:pPr algn="ctr"/>
             <a:r>
               <a:rPr lang="ko-KR" altLang="en-US" dirty="0" smtClean="0"/>
-              <a:t>버스투어</a:t>
+              <a:t>테마여행</a:t>
             </a:r>
             <a:endParaRPr lang="en-US" altLang="ko-KR" dirty="0" smtClean="0"/>
           </a:p>
           <a:p>
+            <a:pPr algn="ctr"/>
             <a:endParaRPr lang="en-US" altLang="ko-KR" dirty="0"/>
           </a:p>
         </p:txBody>
